--- a/ppt with format [Autosaved].pptx
+++ b/ppt with format [Autosaved].pptx
@@ -7153,6 +7153,114 @@
           </a:p>
         </p:txBody>
       </p:sp>
+      <p:pic>
+        <p:nvPicPr>
+          <p:cNvPr id="4" name="Picture 3">
+            <a:extLst>
+              <a:ext uri="{FF2B5EF4-FFF2-40B4-BE49-F238E27FC236}">
+                <a16:creationId xmlns:a16="http://schemas.microsoft.com/office/drawing/2014/main" id="{E524335C-0BF4-7C52-2DD1-BD609253D5A5}"/>
+              </a:ext>
+            </a:extLst>
+          </p:cNvPr>
+          <p:cNvPicPr>
+            <a:picLocks noChangeAspect="1"/>
+          </p:cNvPicPr>
+          <p:nvPr/>
+        </p:nvPicPr>
+        <p:blipFill>
+          <a:blip r:embed="rId2">
+            <a:extLst>
+              <a:ext uri="{28A0092B-C50C-407E-A947-70E740481C1C}">
+                <a14:useLocalDpi xmlns:a14="http://schemas.microsoft.com/office/drawing/2010/main" val="0"/>
+              </a:ext>
+            </a:extLst>
+          </a:blip>
+          <a:stretch>
+            <a:fillRect/>
+          </a:stretch>
+        </p:blipFill>
+        <p:spPr>
+          <a:xfrm>
+            <a:off x="7988354" y="5570343"/>
+            <a:ext cx="2720340" cy="693420"/>
+          </a:xfrm>
+          <a:prstGeom prst="rect">
+            <a:avLst/>
+          </a:prstGeom>
+        </p:spPr>
+      </p:pic>
+      <p:pic>
+        <p:nvPicPr>
+          <p:cNvPr id="5" name="Picture 4">
+            <a:extLst>
+              <a:ext uri="{FF2B5EF4-FFF2-40B4-BE49-F238E27FC236}">
+                <a16:creationId xmlns:a16="http://schemas.microsoft.com/office/drawing/2014/main" id="{794D1BB2-AEEB-0DF2-C85C-0C925C6A361F}"/>
+              </a:ext>
+            </a:extLst>
+          </p:cNvPr>
+          <p:cNvPicPr>
+            <a:picLocks noChangeAspect="1"/>
+          </p:cNvPicPr>
+          <p:nvPr/>
+        </p:nvPicPr>
+        <p:blipFill>
+          <a:blip r:embed="rId3">
+            <a:extLst>
+              <a:ext uri="{28A0092B-C50C-407E-A947-70E740481C1C}">
+                <a14:useLocalDpi xmlns:a14="http://schemas.microsoft.com/office/drawing/2010/main" val="0"/>
+              </a:ext>
+            </a:extLst>
+          </a:blip>
+          <a:stretch>
+            <a:fillRect/>
+          </a:stretch>
+        </p:blipFill>
+        <p:spPr>
+          <a:xfrm>
+            <a:off x="1705159" y="5448982"/>
+            <a:ext cx="1950720" cy="777240"/>
+          </a:xfrm>
+          <a:prstGeom prst="rect">
+            <a:avLst/>
+          </a:prstGeom>
+        </p:spPr>
+      </p:pic>
+      <p:pic>
+        <p:nvPicPr>
+          <p:cNvPr id="6" name="Picture 5">
+            <a:extLst>
+              <a:ext uri="{FF2B5EF4-FFF2-40B4-BE49-F238E27FC236}">
+                <a16:creationId xmlns:a16="http://schemas.microsoft.com/office/drawing/2014/main" id="{FCB7AEB4-AC01-4096-F848-D97DF3EC4B8B}"/>
+              </a:ext>
+            </a:extLst>
+          </p:cNvPr>
+          <p:cNvPicPr>
+            <a:picLocks noChangeAspect="1"/>
+          </p:cNvPicPr>
+          <p:nvPr/>
+        </p:nvPicPr>
+        <p:blipFill>
+          <a:blip r:embed="rId4">
+            <a:extLst>
+              <a:ext uri="{28A0092B-C50C-407E-A947-70E740481C1C}">
+                <a14:useLocalDpi xmlns:a14="http://schemas.microsoft.com/office/drawing/2010/main" val="0"/>
+              </a:ext>
+            </a:extLst>
+          </a:blip>
+          <a:stretch>
+            <a:fillRect/>
+          </a:stretch>
+        </p:blipFill>
+        <p:spPr>
+          <a:xfrm>
+            <a:off x="5242933" y="5288917"/>
+            <a:ext cx="1866900" cy="998220"/>
+          </a:xfrm>
+          <a:prstGeom prst="rect">
+            <a:avLst/>
+          </a:prstGeom>
+        </p:spPr>
+      </p:pic>
     </p:spTree>
     <p:extLst>
       <p:ext uri="{BB962C8B-B14F-4D97-AF65-F5344CB8AC3E}">
